--- a/Capstone.pptx
+++ b/Capstone.pptx
@@ -75,17 +75,17 @@
           <a:noFill/>
         </a:ln>
         <a:solidFill>
-          <a:srgbClr val="FFFFFF"/>
+          <a:srgbClr val="FF0000"/>
         </a:solidFill>
         <a:effectLst/>
         <a:uFillTx/>
-        <a:latin typeface="+mn-lt"/>
-        <a:ea typeface="+mn-ea"/>
-        <a:cs typeface="+mn-cs"/>
+        <a:latin typeface="Helvetica Light"/>
+        <a:ea typeface="Helvetica Light"/>
+        <a:cs typeface="Helvetica Light"/>
         <a:sym typeface="Helvetica Light"/>
       </a:defRPr>
     </a:lvl1pPr>
-    <a:lvl2pPr marL="0" marR="0" indent="228600" algn="ctr" defTabSz="584200" rtl="0" fontAlgn="auto" latinLnBrk="0" hangingPunct="0">
+    <a:lvl2pPr marL="0" marR="0" indent="0" algn="ctr" defTabSz="584200" rtl="0" fontAlgn="auto" latinLnBrk="0" hangingPunct="0">
       <a:lnSpc>
         <a:spcPct val="100000"/>
       </a:lnSpc>
@@ -105,17 +105,17 @@
           <a:noFill/>
         </a:ln>
         <a:solidFill>
-          <a:srgbClr val="FFFFFF"/>
+          <a:srgbClr val="FF0000"/>
         </a:solidFill>
         <a:effectLst/>
         <a:uFillTx/>
-        <a:latin typeface="+mn-lt"/>
-        <a:ea typeface="+mn-ea"/>
-        <a:cs typeface="+mn-cs"/>
+        <a:latin typeface="Helvetica Light"/>
+        <a:ea typeface="Helvetica Light"/>
+        <a:cs typeface="Helvetica Light"/>
         <a:sym typeface="Helvetica Light"/>
       </a:defRPr>
     </a:lvl2pPr>
-    <a:lvl3pPr marL="0" marR="0" indent="457200" algn="ctr" defTabSz="584200" rtl="0" fontAlgn="auto" latinLnBrk="0" hangingPunct="0">
+    <a:lvl3pPr marL="0" marR="0" indent="0" algn="ctr" defTabSz="584200" rtl="0" fontAlgn="auto" latinLnBrk="0" hangingPunct="0">
       <a:lnSpc>
         <a:spcPct val="100000"/>
       </a:lnSpc>
@@ -135,17 +135,17 @@
           <a:noFill/>
         </a:ln>
         <a:solidFill>
-          <a:srgbClr val="FFFFFF"/>
+          <a:srgbClr val="FF0000"/>
         </a:solidFill>
         <a:effectLst/>
         <a:uFillTx/>
-        <a:latin typeface="+mn-lt"/>
-        <a:ea typeface="+mn-ea"/>
-        <a:cs typeface="+mn-cs"/>
+        <a:latin typeface="Helvetica Light"/>
+        <a:ea typeface="Helvetica Light"/>
+        <a:cs typeface="Helvetica Light"/>
         <a:sym typeface="Helvetica Light"/>
       </a:defRPr>
     </a:lvl3pPr>
-    <a:lvl4pPr marL="0" marR="0" indent="685800" algn="ctr" defTabSz="584200" rtl="0" fontAlgn="auto" latinLnBrk="0" hangingPunct="0">
+    <a:lvl4pPr marL="0" marR="0" indent="0" algn="ctr" defTabSz="584200" rtl="0" fontAlgn="auto" latinLnBrk="0" hangingPunct="0">
       <a:lnSpc>
         <a:spcPct val="100000"/>
       </a:lnSpc>
@@ -165,17 +165,17 @@
           <a:noFill/>
         </a:ln>
         <a:solidFill>
-          <a:srgbClr val="FFFFFF"/>
+          <a:srgbClr val="FF0000"/>
         </a:solidFill>
         <a:effectLst/>
         <a:uFillTx/>
-        <a:latin typeface="+mn-lt"/>
-        <a:ea typeface="+mn-ea"/>
-        <a:cs typeface="+mn-cs"/>
+        <a:latin typeface="Helvetica Light"/>
+        <a:ea typeface="Helvetica Light"/>
+        <a:cs typeface="Helvetica Light"/>
         <a:sym typeface="Helvetica Light"/>
       </a:defRPr>
     </a:lvl4pPr>
-    <a:lvl5pPr marL="0" marR="0" indent="914400" algn="ctr" defTabSz="584200" rtl="0" fontAlgn="auto" latinLnBrk="0" hangingPunct="0">
+    <a:lvl5pPr marL="0" marR="0" indent="0" algn="ctr" defTabSz="584200" rtl="0" fontAlgn="auto" latinLnBrk="0" hangingPunct="0">
       <a:lnSpc>
         <a:spcPct val="100000"/>
       </a:lnSpc>
@@ -195,17 +195,17 @@
           <a:noFill/>
         </a:ln>
         <a:solidFill>
-          <a:srgbClr val="FFFFFF"/>
+          <a:srgbClr val="FF0000"/>
         </a:solidFill>
         <a:effectLst/>
         <a:uFillTx/>
-        <a:latin typeface="+mn-lt"/>
-        <a:ea typeface="+mn-ea"/>
-        <a:cs typeface="+mn-cs"/>
+        <a:latin typeface="Helvetica Light"/>
+        <a:ea typeface="Helvetica Light"/>
+        <a:cs typeface="Helvetica Light"/>
         <a:sym typeface="Helvetica Light"/>
       </a:defRPr>
     </a:lvl5pPr>
-    <a:lvl6pPr marL="0" marR="0" indent="1143000" algn="ctr" defTabSz="584200" rtl="0" fontAlgn="auto" latinLnBrk="0" hangingPunct="0">
+    <a:lvl6pPr marL="0" marR="0" indent="0" algn="ctr" defTabSz="584200" rtl="0" fontAlgn="auto" latinLnBrk="0" hangingPunct="0">
       <a:lnSpc>
         <a:spcPct val="100000"/>
       </a:lnSpc>
@@ -225,17 +225,17 @@
           <a:noFill/>
         </a:ln>
         <a:solidFill>
-          <a:srgbClr val="FFFFFF"/>
+          <a:srgbClr val="FF0000"/>
         </a:solidFill>
         <a:effectLst/>
         <a:uFillTx/>
-        <a:latin typeface="+mn-lt"/>
-        <a:ea typeface="+mn-ea"/>
-        <a:cs typeface="+mn-cs"/>
+        <a:latin typeface="Helvetica Light"/>
+        <a:ea typeface="Helvetica Light"/>
+        <a:cs typeface="Helvetica Light"/>
         <a:sym typeface="Helvetica Light"/>
       </a:defRPr>
     </a:lvl6pPr>
-    <a:lvl7pPr marL="0" marR="0" indent="1371600" algn="ctr" defTabSz="584200" rtl="0" fontAlgn="auto" latinLnBrk="0" hangingPunct="0">
+    <a:lvl7pPr marL="0" marR="0" indent="0" algn="ctr" defTabSz="584200" rtl="0" fontAlgn="auto" latinLnBrk="0" hangingPunct="0">
       <a:lnSpc>
         <a:spcPct val="100000"/>
       </a:lnSpc>
@@ -255,17 +255,17 @@
           <a:noFill/>
         </a:ln>
         <a:solidFill>
-          <a:srgbClr val="FFFFFF"/>
+          <a:srgbClr val="FF0000"/>
         </a:solidFill>
         <a:effectLst/>
         <a:uFillTx/>
-        <a:latin typeface="+mn-lt"/>
-        <a:ea typeface="+mn-ea"/>
-        <a:cs typeface="+mn-cs"/>
+        <a:latin typeface="Helvetica Light"/>
+        <a:ea typeface="Helvetica Light"/>
+        <a:cs typeface="Helvetica Light"/>
         <a:sym typeface="Helvetica Light"/>
       </a:defRPr>
     </a:lvl7pPr>
-    <a:lvl8pPr marL="0" marR="0" indent="1600200" algn="ctr" defTabSz="584200" rtl="0" fontAlgn="auto" latinLnBrk="0" hangingPunct="0">
+    <a:lvl8pPr marL="0" marR="0" indent="0" algn="ctr" defTabSz="584200" rtl="0" fontAlgn="auto" latinLnBrk="0" hangingPunct="0">
       <a:lnSpc>
         <a:spcPct val="100000"/>
       </a:lnSpc>
@@ -285,17 +285,17 @@
           <a:noFill/>
         </a:ln>
         <a:solidFill>
-          <a:srgbClr val="FFFFFF"/>
+          <a:srgbClr val="FF0000"/>
         </a:solidFill>
         <a:effectLst/>
         <a:uFillTx/>
-        <a:latin typeface="+mn-lt"/>
-        <a:ea typeface="+mn-ea"/>
-        <a:cs typeface="+mn-cs"/>
+        <a:latin typeface="Helvetica Light"/>
+        <a:ea typeface="Helvetica Light"/>
+        <a:cs typeface="Helvetica Light"/>
         <a:sym typeface="Helvetica Light"/>
       </a:defRPr>
     </a:lvl8pPr>
-    <a:lvl9pPr marL="0" marR="0" indent="1828800" algn="ctr" defTabSz="584200" rtl="0" fontAlgn="auto" latinLnBrk="0" hangingPunct="0">
+    <a:lvl9pPr marL="0" marR="0" indent="0" algn="ctr" defTabSz="584200" rtl="0" fontAlgn="auto" latinLnBrk="0" hangingPunct="0">
       <a:lnSpc>
         <a:spcPct val="100000"/>
       </a:lnSpc>
@@ -315,13 +315,13 @@
           <a:noFill/>
         </a:ln>
         <a:solidFill>
-          <a:srgbClr val="FFFFFF"/>
+          <a:srgbClr val="FF0000"/>
         </a:solidFill>
         <a:effectLst/>
         <a:uFillTx/>
-        <a:latin typeface="+mn-lt"/>
-        <a:ea typeface="+mn-ea"/>
-        <a:cs typeface="+mn-cs"/>
+        <a:latin typeface="Helvetica Light"/>
+        <a:ea typeface="Helvetica Light"/>
+        <a:cs typeface="Helvetica Light"/>
         <a:sym typeface="Helvetica Light"/>
       </a:defRPr>
     </a:lvl9pPr>
@@ -409,9 +409,9 @@
         <a:spcPct val="117999"/>
       </a:lnSpc>
       <a:defRPr sz="2200">
-        <a:latin typeface="Helvetica Neue"/>
-        <a:ea typeface="Helvetica Neue"/>
-        <a:cs typeface="Helvetica Neue"/>
+        <a:latin typeface="+mn-lt"/>
+        <a:ea typeface="+mn-ea"/>
+        <a:cs typeface="+mn-cs"/>
         <a:sym typeface="Helvetica Neue"/>
       </a:defRPr>
     </a:lvl1pPr>
@@ -420,9 +420,9 @@
         <a:spcPct val="117999"/>
       </a:lnSpc>
       <a:defRPr sz="2200">
-        <a:latin typeface="Helvetica Neue"/>
-        <a:ea typeface="Helvetica Neue"/>
-        <a:cs typeface="Helvetica Neue"/>
+        <a:latin typeface="+mn-lt"/>
+        <a:ea typeface="+mn-ea"/>
+        <a:cs typeface="+mn-cs"/>
         <a:sym typeface="Helvetica Neue"/>
       </a:defRPr>
     </a:lvl2pPr>
@@ -431,9 +431,9 @@
         <a:spcPct val="117999"/>
       </a:lnSpc>
       <a:defRPr sz="2200">
-        <a:latin typeface="Helvetica Neue"/>
-        <a:ea typeface="Helvetica Neue"/>
-        <a:cs typeface="Helvetica Neue"/>
+        <a:latin typeface="+mn-lt"/>
+        <a:ea typeface="+mn-ea"/>
+        <a:cs typeface="+mn-cs"/>
         <a:sym typeface="Helvetica Neue"/>
       </a:defRPr>
     </a:lvl3pPr>
@@ -442,9 +442,9 @@
         <a:spcPct val="117999"/>
       </a:lnSpc>
       <a:defRPr sz="2200">
-        <a:latin typeface="Helvetica Neue"/>
-        <a:ea typeface="Helvetica Neue"/>
-        <a:cs typeface="Helvetica Neue"/>
+        <a:latin typeface="+mn-lt"/>
+        <a:ea typeface="+mn-ea"/>
+        <a:cs typeface="+mn-cs"/>
         <a:sym typeface="Helvetica Neue"/>
       </a:defRPr>
     </a:lvl4pPr>
@@ -453,9 +453,9 @@
         <a:spcPct val="117999"/>
       </a:lnSpc>
       <a:defRPr sz="2200">
-        <a:latin typeface="Helvetica Neue"/>
-        <a:ea typeface="Helvetica Neue"/>
-        <a:cs typeface="Helvetica Neue"/>
+        <a:latin typeface="+mn-lt"/>
+        <a:ea typeface="+mn-ea"/>
+        <a:cs typeface="+mn-cs"/>
         <a:sym typeface="Helvetica Neue"/>
       </a:defRPr>
     </a:lvl5pPr>
@@ -464,9 +464,9 @@
         <a:spcPct val="117999"/>
       </a:lnSpc>
       <a:defRPr sz="2200">
-        <a:latin typeface="Helvetica Neue"/>
-        <a:ea typeface="Helvetica Neue"/>
-        <a:cs typeface="Helvetica Neue"/>
+        <a:latin typeface="+mn-lt"/>
+        <a:ea typeface="+mn-ea"/>
+        <a:cs typeface="+mn-cs"/>
         <a:sym typeface="Helvetica Neue"/>
       </a:defRPr>
     </a:lvl6pPr>
@@ -475,9 +475,9 @@
         <a:spcPct val="117999"/>
       </a:lnSpc>
       <a:defRPr sz="2200">
-        <a:latin typeface="Helvetica Neue"/>
-        <a:ea typeface="Helvetica Neue"/>
-        <a:cs typeface="Helvetica Neue"/>
+        <a:latin typeface="+mn-lt"/>
+        <a:ea typeface="+mn-ea"/>
+        <a:cs typeface="+mn-cs"/>
         <a:sym typeface="Helvetica Neue"/>
       </a:defRPr>
     </a:lvl7pPr>
@@ -486,9 +486,9 @@
         <a:spcPct val="117999"/>
       </a:lnSpc>
       <a:defRPr sz="2200">
-        <a:latin typeface="Helvetica Neue"/>
-        <a:ea typeface="Helvetica Neue"/>
-        <a:cs typeface="Helvetica Neue"/>
+        <a:latin typeface="+mn-lt"/>
+        <a:ea typeface="+mn-ea"/>
+        <a:cs typeface="+mn-cs"/>
         <a:sym typeface="Helvetica Neue"/>
       </a:defRPr>
     </a:lvl8pPr>
@@ -497,9 +497,9 @@
         <a:spcPct val="117999"/>
       </a:lnSpc>
       <a:defRPr sz="2200">
-        <a:latin typeface="Helvetica Neue"/>
-        <a:ea typeface="Helvetica Neue"/>
-        <a:cs typeface="Helvetica Neue"/>
+        <a:latin typeface="+mn-lt"/>
+        <a:ea typeface="+mn-ea"/>
+        <a:cs typeface="+mn-cs"/>
         <a:sym typeface="Helvetica Neue"/>
       </a:defRPr>
     </a:lvl9pPr>
@@ -580,7 +580,7 @@
               <a:buNone/>
               <a:defRPr sz="3200"/>
             </a:lvl1pPr>
-            <a:lvl2pPr marL="0" indent="228600" algn="ctr">
+            <a:lvl2pPr marL="0" indent="0" algn="ctr">
               <a:spcBef>
                 <a:spcPts val="0"/>
               </a:spcBef>
@@ -588,7 +588,7 @@
               <a:buNone/>
               <a:defRPr sz="3200"/>
             </a:lvl2pPr>
-            <a:lvl3pPr marL="0" indent="457200" algn="ctr">
+            <a:lvl3pPr marL="0" indent="0" algn="ctr">
               <a:spcBef>
                 <a:spcPts val="0"/>
               </a:spcBef>
@@ -596,7 +596,7 @@
               <a:buNone/>
               <a:defRPr sz="3200"/>
             </a:lvl3pPr>
-            <a:lvl4pPr marL="0" indent="685800" algn="ctr">
+            <a:lvl4pPr marL="0" indent="0" algn="ctr">
               <a:spcBef>
                 <a:spcPts val="0"/>
               </a:spcBef>
@@ -604,7 +604,7 @@
               <a:buNone/>
               <a:defRPr sz="3200"/>
             </a:lvl4pPr>
-            <a:lvl5pPr marL="0" indent="914400" algn="ctr">
+            <a:lvl5pPr marL="0" indent="0" algn="ctr">
               <a:spcBef>
                 <a:spcPts val="0"/>
               </a:spcBef>
@@ -654,16 +654,12 @@
           </p:nvPr>
         </p:nvSpPr>
         <p:spPr>
-          <a:xfrm>
-            <a:off x="6311798" y="9245600"/>
-            <a:ext cx="368504" cy="381000"/>
-          </a:xfrm>
           <a:prstGeom prst="rect">
             <a:avLst/>
           </a:prstGeom>
         </p:spPr>
         <p:txBody>
-          <a:bodyPr anchor="t"/>
+          <a:bodyPr/>
           <a:lstStyle/>
           <a:p>
             <a:pPr/>
@@ -699,10 +695,10 @@
       </p:grpSpPr>
       <p:sp>
         <p:nvSpPr>
-          <p:cNvPr id="93" name="–Johnny Appleseed"/>
+          <p:cNvPr id="93" name="Body Level One…"/>
           <p:cNvSpPr txBox="1"/>
           <p:nvPr>
-            <p:ph type="body" sz="quarter" idx="13"/>
+            <p:ph type="body" sz="quarter" idx="1"/>
           </p:nvPr>
         </p:nvSpPr>
         <p:spPr>
@@ -715,9 +711,7 @@
           </a:prstGeom>
         </p:spPr>
         <p:txBody>
-          <a:bodyPr anchor="t">
-            <a:spAutoFit/>
-          </a:bodyPr>
+          <a:bodyPr anchor="t"/>
           <a:lstStyle>
             <a:lvl1pPr marL="0" indent="0" algn="ctr">
               <a:spcBef>
@@ -726,17 +720,85 @@
               <a:buSzTx/>
               <a:buNone/>
               <a:defRPr b="1" sz="2800">
-                <a:latin typeface="Helvetica"/>
-                <a:ea typeface="Helvetica"/>
-                <a:cs typeface="Helvetica"/>
+                <a:latin typeface="+mj-lt"/>
+                <a:ea typeface="+mj-ea"/>
+                <a:cs typeface="+mj-cs"/>
                 <a:sym typeface="Helvetica"/>
               </a:defRPr>
             </a:lvl1pPr>
+            <a:lvl2pPr marL="794084" indent="-336884" algn="ctr">
+              <a:spcBef>
+                <a:spcPts val="0"/>
+              </a:spcBef>
+              <a:defRPr b="1" sz="2800">
+                <a:latin typeface="+mj-lt"/>
+                <a:ea typeface="+mj-ea"/>
+                <a:cs typeface="+mj-cs"/>
+                <a:sym typeface="Helvetica"/>
+              </a:defRPr>
+            </a:lvl2pPr>
+            <a:lvl3pPr marL="1251284" indent="-336884" algn="ctr">
+              <a:spcBef>
+                <a:spcPts val="0"/>
+              </a:spcBef>
+              <a:defRPr b="1" sz="2800">
+                <a:latin typeface="+mj-lt"/>
+                <a:ea typeface="+mj-ea"/>
+                <a:cs typeface="+mj-cs"/>
+                <a:sym typeface="Helvetica"/>
+              </a:defRPr>
+            </a:lvl3pPr>
+            <a:lvl4pPr marL="1708484" indent="-336884" algn="ctr">
+              <a:spcBef>
+                <a:spcPts val="0"/>
+              </a:spcBef>
+              <a:defRPr b="1" sz="2800">
+                <a:latin typeface="+mj-lt"/>
+                <a:ea typeface="+mj-ea"/>
+                <a:cs typeface="+mj-cs"/>
+                <a:sym typeface="Helvetica"/>
+              </a:defRPr>
+            </a:lvl4pPr>
+            <a:lvl5pPr marL="2165684" indent="-336884" algn="ctr">
+              <a:spcBef>
+                <a:spcPts val="0"/>
+              </a:spcBef>
+              <a:defRPr b="1" sz="2800">
+                <a:latin typeface="+mj-lt"/>
+                <a:ea typeface="+mj-ea"/>
+                <a:cs typeface="+mj-cs"/>
+                <a:sym typeface="Helvetica"/>
+              </a:defRPr>
+            </a:lvl5pPr>
           </a:lstStyle>
           <a:p>
             <a:pPr/>
             <a:r>
-              <a:t>–Johnny Appleseed</a:t>
+              <a:t>Body Level One</a:t>
+            </a:r>
+          </a:p>
+          <a:p>
+            <a:pPr lvl="1"/>
+            <a:r>
+              <a:t>Body Level Two</a:t>
+            </a:r>
+          </a:p>
+          <a:p>
+            <a:pPr lvl="2"/>
+            <a:r>
+              <a:t>Body Level Three</a:t>
+            </a:r>
+          </a:p>
+          <a:p>
+            <a:pPr lvl="3"/>
+            <a:r>
+              <a:t>Body Level Four</a:t>
+            </a:r>
+          </a:p>
+          <a:p>
+            <a:pPr lvl="4"/>
+            <a:r>
+              <a:t>Body Level Five</a:t>
             </a:r>
           </a:p>
         </p:txBody>
@@ -746,7 +808,7 @@
           <p:cNvPr id="94" name="“Type a quote here.”"/>
           <p:cNvSpPr txBox="1"/>
           <p:nvPr>
-            <p:ph type="body" sz="quarter" idx="14"/>
+            <p:ph type="body" sz="quarter" idx="13"/>
           </p:nvPr>
         </p:nvSpPr>
         <p:spPr>
@@ -759,24 +821,17 @@
           </a:prstGeom>
         </p:spPr>
         <p:txBody>
-          <a:bodyPr>
-            <a:spAutoFit/>
-          </a:bodyPr>
-          <a:lstStyle>
-            <a:lvl1pPr marL="0" indent="0" algn="ctr">
+          <a:bodyPr/>
+          <a:lstStyle/>
+          <a:p>
+            <a:pPr marL="0" indent="0" algn="ctr">
               <a:spcBef>
                 <a:spcPts val="2400"/>
               </a:spcBef>
               <a:buSzTx/>
               <a:buNone/>
               <a:defRPr sz="4000"/>
-            </a:lvl1pPr>
-          </a:lstStyle>
-          <a:p>
-            <a:pPr/>
-            <a:r>
-              <a:t>“Type a quote here.”</a:t>
-            </a:r>
+            </a:pPr>
           </a:p>
         </p:txBody>
       </p:sp>
@@ -789,16 +844,12 @@
           </p:nvPr>
         </p:nvSpPr>
         <p:spPr>
-          <a:xfrm>
-            <a:off x="6311798" y="9245600"/>
-            <a:ext cx="368504" cy="381000"/>
-          </a:xfrm>
           <a:prstGeom prst="rect">
             <a:avLst/>
           </a:prstGeom>
         </p:spPr>
         <p:txBody>
-          <a:bodyPr anchor="t"/>
+          <a:bodyPr/>
           <a:lstStyle/>
           <a:p>
             <a:pPr/>
@@ -868,16 +919,12 @@
           </p:nvPr>
         </p:nvSpPr>
         <p:spPr>
-          <a:xfrm>
-            <a:off x="6311798" y="9245600"/>
-            <a:ext cx="368504" cy="381000"/>
-          </a:xfrm>
           <a:prstGeom prst="rect">
             <a:avLst/>
           </a:prstGeom>
         </p:spPr>
         <p:txBody>
-          <a:bodyPr anchor="t"/>
+          <a:bodyPr/>
           <a:lstStyle/>
           <a:p>
             <a:pPr/>
@@ -920,16 +967,12 @@
           </p:nvPr>
         </p:nvSpPr>
         <p:spPr>
-          <a:xfrm>
-            <a:off x="6311798" y="9245600"/>
-            <a:ext cx="368504" cy="381000"/>
-          </a:xfrm>
           <a:prstGeom prst="rect">
             <a:avLst/>
           </a:prstGeom>
         </p:spPr>
         <p:txBody>
-          <a:bodyPr anchor="t"/>
+          <a:bodyPr/>
           <a:lstStyle/>
           <a:p>
             <a:pPr/>
@@ -1046,7 +1089,7 @@
               <a:buNone/>
               <a:defRPr sz="3200"/>
             </a:lvl1pPr>
-            <a:lvl2pPr marL="0" indent="228600" algn="ctr">
+            <a:lvl2pPr marL="0" indent="0" algn="ctr">
               <a:spcBef>
                 <a:spcPts val="0"/>
               </a:spcBef>
@@ -1054,7 +1097,7 @@
               <a:buNone/>
               <a:defRPr sz="3200"/>
             </a:lvl2pPr>
-            <a:lvl3pPr marL="0" indent="457200" algn="ctr">
+            <a:lvl3pPr marL="0" indent="0" algn="ctr">
               <a:spcBef>
                 <a:spcPts val="0"/>
               </a:spcBef>
@@ -1062,7 +1105,7 @@
               <a:buNone/>
               <a:defRPr sz="3200"/>
             </a:lvl3pPr>
-            <a:lvl4pPr marL="0" indent="685800" algn="ctr">
+            <a:lvl4pPr marL="0" indent="0" algn="ctr">
               <a:spcBef>
                 <a:spcPts val="0"/>
               </a:spcBef>
@@ -1070,7 +1113,7 @@
               <a:buNone/>
               <a:defRPr sz="3200"/>
             </a:lvl4pPr>
-            <a:lvl5pPr marL="0" indent="914400" algn="ctr">
+            <a:lvl5pPr marL="0" indent="0" algn="ctr">
               <a:spcBef>
                 <a:spcPts val="0"/>
               </a:spcBef>
@@ -1120,16 +1163,12 @@
           </p:nvPr>
         </p:nvSpPr>
         <p:spPr>
-          <a:xfrm>
-            <a:off x="6311798" y="9245600"/>
-            <a:ext cx="368504" cy="381000"/>
-          </a:xfrm>
           <a:prstGeom prst="rect">
             <a:avLst/>
           </a:prstGeom>
         </p:spPr>
         <p:txBody>
-          <a:bodyPr anchor="t"/>
+          <a:bodyPr/>
           <a:lstStyle/>
           <a:p>
             <a:pPr/>
@@ -1200,16 +1239,12 @@
           </p:nvPr>
         </p:nvSpPr>
         <p:spPr>
-          <a:xfrm>
-            <a:off x="6311798" y="9245600"/>
-            <a:ext cx="368504" cy="381000"/>
-          </a:xfrm>
           <a:prstGeom prst="rect">
             <a:avLst/>
           </a:prstGeom>
         </p:spPr>
         <p:txBody>
-          <a:bodyPr anchor="t"/>
+          <a:bodyPr/>
           <a:lstStyle/>
           <a:p>
             <a:pPr/>
@@ -1330,7 +1365,7 @@
               <a:buNone/>
               <a:defRPr sz="3200"/>
             </a:lvl1pPr>
-            <a:lvl2pPr marL="0" indent="228600" algn="ctr">
+            <a:lvl2pPr marL="0" indent="0" algn="ctr">
               <a:spcBef>
                 <a:spcPts val="0"/>
               </a:spcBef>
@@ -1338,7 +1373,7 @@
               <a:buNone/>
               <a:defRPr sz="3200"/>
             </a:lvl2pPr>
-            <a:lvl3pPr marL="0" indent="457200" algn="ctr">
+            <a:lvl3pPr marL="0" indent="0" algn="ctr">
               <a:spcBef>
                 <a:spcPts val="0"/>
               </a:spcBef>
@@ -1346,7 +1381,7 @@
               <a:buNone/>
               <a:defRPr sz="3200"/>
             </a:lvl3pPr>
-            <a:lvl4pPr marL="0" indent="685800" algn="ctr">
+            <a:lvl4pPr marL="0" indent="0" algn="ctr">
               <a:spcBef>
                 <a:spcPts val="0"/>
               </a:spcBef>
@@ -1354,7 +1389,7 @@
               <a:buNone/>
               <a:defRPr sz="3200"/>
             </a:lvl4pPr>
-            <a:lvl5pPr marL="0" indent="914400" algn="ctr">
+            <a:lvl5pPr marL="0" indent="0" algn="ctr">
               <a:spcBef>
                 <a:spcPts val="0"/>
               </a:spcBef>
@@ -1404,16 +1439,12 @@
           </p:nvPr>
         </p:nvSpPr>
         <p:spPr>
-          <a:xfrm>
-            <a:off x="6311798" y="9245600"/>
-            <a:ext cx="368504" cy="381000"/>
-          </a:xfrm>
           <a:prstGeom prst="rect">
             <a:avLst/>
           </a:prstGeom>
         </p:spPr>
         <p:txBody>
-          <a:bodyPr anchor="t"/>
+          <a:bodyPr/>
           <a:lstStyle/>
           <a:p>
             <a:pPr/>
@@ -1480,12 +1511,16 @@
           </p:nvPr>
         </p:nvSpPr>
         <p:spPr>
+          <a:xfrm>
+            <a:off x="6311798" y="9245599"/>
+            <a:ext cx="368504" cy="381001"/>
+          </a:xfrm>
           <a:prstGeom prst="rect">
             <a:avLst/>
           </a:prstGeom>
         </p:spPr>
         <p:txBody>
-          <a:bodyPr/>
+          <a:bodyPr anchor="b"/>
           <a:lstStyle/>
           <a:p>
             <a:pPr/>
@@ -1600,16 +1635,12 @@
           </p:nvPr>
         </p:nvSpPr>
         <p:spPr>
-          <a:xfrm>
-            <a:off x="6311798" y="9245600"/>
-            <a:ext cx="368504" cy="381000"/>
-          </a:xfrm>
           <a:prstGeom prst="rect">
             <a:avLst/>
           </a:prstGeom>
         </p:spPr>
         <p:txBody>
-          <a:bodyPr anchor="t"/>
+          <a:bodyPr/>
           <a:lstStyle/>
           <a:p>
             <a:pPr/>
@@ -1786,16 +1817,12 @@
           </p:nvPr>
         </p:nvSpPr>
         <p:spPr>
-          <a:xfrm>
-            <a:off x="6311798" y="9245600"/>
-            <a:ext cx="368504" cy="381000"/>
-          </a:xfrm>
           <a:prstGeom prst="rect">
             <a:avLst/>
           </a:prstGeom>
         </p:spPr>
         <p:txBody>
-          <a:bodyPr anchor="t"/>
+          <a:bodyPr/>
           <a:lstStyle/>
           <a:p>
             <a:pPr/>
@@ -1890,16 +1917,12 @@
           </p:nvPr>
         </p:nvSpPr>
         <p:spPr>
-          <a:xfrm>
-            <a:off x="6311798" y="9245600"/>
-            <a:ext cx="368504" cy="381000"/>
-          </a:xfrm>
           <a:prstGeom prst="rect">
             <a:avLst/>
           </a:prstGeom>
         </p:spPr>
         <p:txBody>
-          <a:bodyPr anchor="t"/>
+          <a:bodyPr/>
           <a:lstStyle/>
           <a:p>
             <a:pPr/>
@@ -2023,16 +2046,12 @@
           </p:nvPr>
         </p:nvSpPr>
         <p:spPr>
-          <a:xfrm>
-            <a:off x="6311798" y="9245600"/>
-            <a:ext cx="368504" cy="381000"/>
-          </a:xfrm>
           <a:prstGeom prst="rect">
             <a:avLst/>
           </a:prstGeom>
         </p:spPr>
         <p:txBody>
-          <a:bodyPr anchor="t"/>
+          <a:bodyPr/>
           <a:lstStyle/>
           <a:p>
             <a:pPr/>
@@ -2187,8 +2206,8 @@
         </p:nvSpPr>
         <p:spPr>
           <a:xfrm>
-            <a:off x="6311798" y="9245599"/>
-            <a:ext cx="368504" cy="381001"/>
+            <a:off x="6311798" y="9245600"/>
+            <a:ext cx="368504" cy="381000"/>
           </a:xfrm>
           <a:prstGeom prst="rect">
             <a:avLst/>
@@ -2198,12 +2217,16 @@
           </a:ln>
         </p:spPr>
         <p:txBody>
-          <a:bodyPr wrap="none" lIns="50800" tIns="50800" rIns="50800" bIns="50800" anchor="b">
+          <a:bodyPr wrap="none" lIns="50800" tIns="50800" rIns="50800" bIns="50800">
             <a:spAutoFit/>
           </a:bodyPr>
           <a:lstStyle>
             <a:lvl1pPr>
-              <a:defRPr sz="1800"/>
+              <a:defRPr sz="1800">
+                <a:solidFill>
+                  <a:srgbClr val="FFFFFF"/>
+                </a:solidFill>
+              </a:defRPr>
             </a:lvl1pPr>
           </a:lstStyle>
           <a:p>
@@ -2255,13 +2278,13 @@
             <a:srgbClr val="FFFFFF"/>
           </a:solidFill>
           <a:uFillTx/>
-          <a:latin typeface="+mn-lt"/>
-          <a:ea typeface="+mn-ea"/>
-          <a:cs typeface="+mn-cs"/>
+          <a:latin typeface="Helvetica Light"/>
+          <a:ea typeface="Helvetica Light"/>
+          <a:cs typeface="Helvetica Light"/>
           <a:sym typeface="Helvetica Light"/>
         </a:defRPr>
       </a:lvl1pPr>
-      <a:lvl2pPr marL="0" marR="0" indent="228600" algn="ctr" defTabSz="584200" rtl="0" latinLnBrk="0">
+      <a:lvl2pPr marL="0" marR="0" indent="0" algn="ctr" defTabSz="584200" rtl="0" latinLnBrk="0">
         <a:lnSpc>
           <a:spcPct val="100000"/>
         </a:lnSpc>
@@ -2284,13 +2307,13 @@
             <a:srgbClr val="FFFFFF"/>
           </a:solidFill>
           <a:uFillTx/>
-          <a:latin typeface="+mn-lt"/>
-          <a:ea typeface="+mn-ea"/>
-          <a:cs typeface="+mn-cs"/>
+          <a:latin typeface="Helvetica Light"/>
+          <a:ea typeface="Helvetica Light"/>
+          <a:cs typeface="Helvetica Light"/>
           <a:sym typeface="Helvetica Light"/>
         </a:defRPr>
       </a:lvl2pPr>
-      <a:lvl3pPr marL="0" marR="0" indent="457200" algn="ctr" defTabSz="584200" rtl="0" latinLnBrk="0">
+      <a:lvl3pPr marL="0" marR="0" indent="0" algn="ctr" defTabSz="584200" rtl="0" latinLnBrk="0">
         <a:lnSpc>
           <a:spcPct val="100000"/>
         </a:lnSpc>
@@ -2313,13 +2336,13 @@
             <a:srgbClr val="FFFFFF"/>
           </a:solidFill>
           <a:uFillTx/>
-          <a:latin typeface="+mn-lt"/>
-          <a:ea typeface="+mn-ea"/>
-          <a:cs typeface="+mn-cs"/>
+          <a:latin typeface="Helvetica Light"/>
+          <a:ea typeface="Helvetica Light"/>
+          <a:cs typeface="Helvetica Light"/>
           <a:sym typeface="Helvetica Light"/>
         </a:defRPr>
       </a:lvl3pPr>
-      <a:lvl4pPr marL="0" marR="0" indent="685800" algn="ctr" defTabSz="584200" rtl="0" latinLnBrk="0">
+      <a:lvl4pPr marL="0" marR="0" indent="0" algn="ctr" defTabSz="584200" rtl="0" latinLnBrk="0">
         <a:lnSpc>
           <a:spcPct val="100000"/>
         </a:lnSpc>
@@ -2342,13 +2365,13 @@
             <a:srgbClr val="FFFFFF"/>
           </a:solidFill>
           <a:uFillTx/>
-          <a:latin typeface="+mn-lt"/>
-          <a:ea typeface="+mn-ea"/>
-          <a:cs typeface="+mn-cs"/>
+          <a:latin typeface="Helvetica Light"/>
+          <a:ea typeface="Helvetica Light"/>
+          <a:cs typeface="Helvetica Light"/>
           <a:sym typeface="Helvetica Light"/>
         </a:defRPr>
       </a:lvl4pPr>
-      <a:lvl5pPr marL="0" marR="0" indent="914400" algn="ctr" defTabSz="584200" rtl="0" latinLnBrk="0">
+      <a:lvl5pPr marL="0" marR="0" indent="0" algn="ctr" defTabSz="584200" rtl="0" latinLnBrk="0">
         <a:lnSpc>
           <a:spcPct val="100000"/>
         </a:lnSpc>
@@ -2371,13 +2394,13 @@
             <a:srgbClr val="FFFFFF"/>
           </a:solidFill>
           <a:uFillTx/>
-          <a:latin typeface="+mn-lt"/>
-          <a:ea typeface="+mn-ea"/>
-          <a:cs typeface="+mn-cs"/>
+          <a:latin typeface="Helvetica Light"/>
+          <a:ea typeface="Helvetica Light"/>
+          <a:cs typeface="Helvetica Light"/>
           <a:sym typeface="Helvetica Light"/>
         </a:defRPr>
       </a:lvl5pPr>
-      <a:lvl6pPr marL="0" marR="0" indent="1143000" algn="ctr" defTabSz="584200" rtl="0" latinLnBrk="0">
+      <a:lvl6pPr marL="0" marR="0" indent="0" algn="ctr" defTabSz="584200" rtl="0" latinLnBrk="0">
         <a:lnSpc>
           <a:spcPct val="100000"/>
         </a:lnSpc>
@@ -2400,13 +2423,13 @@
             <a:srgbClr val="FFFFFF"/>
           </a:solidFill>
           <a:uFillTx/>
-          <a:latin typeface="+mn-lt"/>
-          <a:ea typeface="+mn-ea"/>
-          <a:cs typeface="+mn-cs"/>
+          <a:latin typeface="Helvetica Light"/>
+          <a:ea typeface="Helvetica Light"/>
+          <a:cs typeface="Helvetica Light"/>
           <a:sym typeface="Helvetica Light"/>
         </a:defRPr>
       </a:lvl6pPr>
-      <a:lvl7pPr marL="0" marR="0" indent="1371600" algn="ctr" defTabSz="584200" rtl="0" latinLnBrk="0">
+      <a:lvl7pPr marL="0" marR="0" indent="0" algn="ctr" defTabSz="584200" rtl="0" latinLnBrk="0">
         <a:lnSpc>
           <a:spcPct val="100000"/>
         </a:lnSpc>
@@ -2429,13 +2452,13 @@
             <a:srgbClr val="FFFFFF"/>
           </a:solidFill>
           <a:uFillTx/>
-          <a:latin typeface="+mn-lt"/>
-          <a:ea typeface="+mn-ea"/>
-          <a:cs typeface="+mn-cs"/>
+          <a:latin typeface="Helvetica Light"/>
+          <a:ea typeface="Helvetica Light"/>
+          <a:cs typeface="Helvetica Light"/>
           <a:sym typeface="Helvetica Light"/>
         </a:defRPr>
       </a:lvl7pPr>
-      <a:lvl8pPr marL="0" marR="0" indent="1600200" algn="ctr" defTabSz="584200" rtl="0" latinLnBrk="0">
+      <a:lvl8pPr marL="0" marR="0" indent="0" algn="ctr" defTabSz="584200" rtl="0" latinLnBrk="0">
         <a:lnSpc>
           <a:spcPct val="100000"/>
         </a:lnSpc>
@@ -2458,13 +2481,13 @@
             <a:srgbClr val="FFFFFF"/>
           </a:solidFill>
           <a:uFillTx/>
-          <a:latin typeface="+mn-lt"/>
-          <a:ea typeface="+mn-ea"/>
-          <a:cs typeface="+mn-cs"/>
+          <a:latin typeface="Helvetica Light"/>
+          <a:ea typeface="Helvetica Light"/>
+          <a:cs typeface="Helvetica Light"/>
           <a:sym typeface="Helvetica Light"/>
         </a:defRPr>
       </a:lvl8pPr>
-      <a:lvl9pPr marL="0" marR="0" indent="1828800" algn="ctr" defTabSz="584200" rtl="0" latinLnBrk="0">
+      <a:lvl9pPr marL="0" marR="0" indent="0" algn="ctr" defTabSz="584200" rtl="0" latinLnBrk="0">
         <a:lnSpc>
           <a:spcPct val="100000"/>
         </a:lnSpc>
@@ -2487,9 +2510,9 @@
             <a:srgbClr val="FFFFFF"/>
           </a:solidFill>
           <a:uFillTx/>
-          <a:latin typeface="+mn-lt"/>
-          <a:ea typeface="+mn-ea"/>
-          <a:cs typeface="+mn-cs"/>
+          <a:latin typeface="Helvetica Light"/>
+          <a:ea typeface="Helvetica Light"/>
+          <a:cs typeface="Helvetica Light"/>
           <a:sym typeface="Helvetica Light"/>
         </a:defRPr>
       </a:lvl9pPr>
@@ -2518,9 +2541,9 @@
             <a:srgbClr val="FFFFFF"/>
           </a:solidFill>
           <a:uFillTx/>
-          <a:latin typeface="+mn-lt"/>
-          <a:ea typeface="+mn-ea"/>
-          <a:cs typeface="+mn-cs"/>
+          <a:latin typeface="Helvetica Light"/>
+          <a:ea typeface="Helvetica Light"/>
+          <a:cs typeface="Helvetica Light"/>
           <a:sym typeface="Helvetica Light"/>
         </a:defRPr>
       </a:lvl1pPr>
@@ -2547,9 +2570,9 @@
             <a:srgbClr val="FFFFFF"/>
           </a:solidFill>
           <a:uFillTx/>
-          <a:latin typeface="+mn-lt"/>
-          <a:ea typeface="+mn-ea"/>
-          <a:cs typeface="+mn-cs"/>
+          <a:latin typeface="Helvetica Light"/>
+          <a:ea typeface="Helvetica Light"/>
+          <a:cs typeface="Helvetica Light"/>
           <a:sym typeface="Helvetica Light"/>
         </a:defRPr>
       </a:lvl2pPr>
@@ -2576,9 +2599,9 @@
             <a:srgbClr val="FFFFFF"/>
           </a:solidFill>
           <a:uFillTx/>
-          <a:latin typeface="+mn-lt"/>
-          <a:ea typeface="+mn-ea"/>
-          <a:cs typeface="+mn-cs"/>
+          <a:latin typeface="Helvetica Light"/>
+          <a:ea typeface="Helvetica Light"/>
+          <a:cs typeface="Helvetica Light"/>
           <a:sym typeface="Helvetica Light"/>
         </a:defRPr>
       </a:lvl3pPr>
@@ -2605,9 +2628,9 @@
             <a:srgbClr val="FFFFFF"/>
           </a:solidFill>
           <a:uFillTx/>
-          <a:latin typeface="+mn-lt"/>
-          <a:ea typeface="+mn-ea"/>
-          <a:cs typeface="+mn-cs"/>
+          <a:latin typeface="Helvetica Light"/>
+          <a:ea typeface="Helvetica Light"/>
+          <a:cs typeface="Helvetica Light"/>
           <a:sym typeface="Helvetica Light"/>
         </a:defRPr>
       </a:lvl4pPr>
@@ -2634,9 +2657,9 @@
             <a:srgbClr val="FFFFFF"/>
           </a:solidFill>
           <a:uFillTx/>
-          <a:latin typeface="+mn-lt"/>
-          <a:ea typeface="+mn-ea"/>
-          <a:cs typeface="+mn-cs"/>
+          <a:latin typeface="Helvetica Light"/>
+          <a:ea typeface="Helvetica Light"/>
+          <a:cs typeface="Helvetica Light"/>
           <a:sym typeface="Helvetica Light"/>
         </a:defRPr>
       </a:lvl5pPr>
@@ -2663,9 +2686,9 @@
             <a:srgbClr val="FFFFFF"/>
           </a:solidFill>
           <a:uFillTx/>
-          <a:latin typeface="+mn-lt"/>
-          <a:ea typeface="+mn-ea"/>
-          <a:cs typeface="+mn-cs"/>
+          <a:latin typeface="Helvetica Light"/>
+          <a:ea typeface="Helvetica Light"/>
+          <a:cs typeface="Helvetica Light"/>
           <a:sym typeface="Helvetica Light"/>
         </a:defRPr>
       </a:lvl6pPr>
@@ -2692,9 +2715,9 @@
             <a:srgbClr val="FFFFFF"/>
           </a:solidFill>
           <a:uFillTx/>
-          <a:latin typeface="+mn-lt"/>
-          <a:ea typeface="+mn-ea"/>
-          <a:cs typeface="+mn-cs"/>
+          <a:latin typeface="Helvetica Light"/>
+          <a:ea typeface="Helvetica Light"/>
+          <a:cs typeface="Helvetica Light"/>
           <a:sym typeface="Helvetica Light"/>
         </a:defRPr>
       </a:lvl7pPr>
@@ -2721,9 +2744,9 @@
             <a:srgbClr val="FFFFFF"/>
           </a:solidFill>
           <a:uFillTx/>
-          <a:latin typeface="+mn-lt"/>
-          <a:ea typeface="+mn-ea"/>
-          <a:cs typeface="+mn-cs"/>
+          <a:latin typeface="Helvetica Light"/>
+          <a:ea typeface="Helvetica Light"/>
+          <a:cs typeface="Helvetica Light"/>
           <a:sym typeface="Helvetica Light"/>
         </a:defRPr>
       </a:lvl8pPr>
@@ -2750,9 +2773,9 @@
             <a:srgbClr val="FFFFFF"/>
           </a:solidFill>
           <a:uFillTx/>
-          <a:latin typeface="+mn-lt"/>
-          <a:ea typeface="+mn-ea"/>
-          <a:cs typeface="+mn-cs"/>
+          <a:latin typeface="Helvetica Light"/>
+          <a:ea typeface="Helvetica Light"/>
+          <a:cs typeface="Helvetica Light"/>
           <a:sym typeface="Helvetica Light"/>
         </a:defRPr>
       </a:lvl9pPr>
@@ -2787,7 +2810,7 @@
           <a:sym typeface="Helvetica Light"/>
         </a:defRPr>
       </a:lvl1pPr>
-      <a:lvl2pPr marL="0" marR="0" indent="228600" algn="ctr" defTabSz="584200" rtl="0" latinLnBrk="0">
+      <a:lvl2pPr marL="0" marR="0" indent="0" algn="ctr" defTabSz="584200" rtl="0" latinLnBrk="0">
         <a:lnSpc>
           <a:spcPct val="100000"/>
         </a:lnSpc>
@@ -2816,7 +2839,7 @@
           <a:sym typeface="Helvetica Light"/>
         </a:defRPr>
       </a:lvl2pPr>
-      <a:lvl3pPr marL="0" marR="0" indent="457200" algn="ctr" defTabSz="584200" rtl="0" latinLnBrk="0">
+      <a:lvl3pPr marL="0" marR="0" indent="0" algn="ctr" defTabSz="584200" rtl="0" latinLnBrk="0">
         <a:lnSpc>
           <a:spcPct val="100000"/>
         </a:lnSpc>
@@ -2845,7 +2868,7 @@
           <a:sym typeface="Helvetica Light"/>
         </a:defRPr>
       </a:lvl3pPr>
-      <a:lvl4pPr marL="0" marR="0" indent="685800" algn="ctr" defTabSz="584200" rtl="0" latinLnBrk="0">
+      <a:lvl4pPr marL="0" marR="0" indent="0" algn="ctr" defTabSz="584200" rtl="0" latinLnBrk="0">
         <a:lnSpc>
           <a:spcPct val="100000"/>
         </a:lnSpc>
@@ -2874,7 +2897,7 @@
           <a:sym typeface="Helvetica Light"/>
         </a:defRPr>
       </a:lvl4pPr>
-      <a:lvl5pPr marL="0" marR="0" indent="914400" algn="ctr" defTabSz="584200" rtl="0" latinLnBrk="0">
+      <a:lvl5pPr marL="0" marR="0" indent="0" algn="ctr" defTabSz="584200" rtl="0" latinLnBrk="0">
         <a:lnSpc>
           <a:spcPct val="100000"/>
         </a:lnSpc>
@@ -2903,7 +2926,7 @@
           <a:sym typeface="Helvetica Light"/>
         </a:defRPr>
       </a:lvl5pPr>
-      <a:lvl6pPr marL="0" marR="0" indent="1143000" algn="ctr" defTabSz="584200" rtl="0" latinLnBrk="0">
+      <a:lvl6pPr marL="0" marR="0" indent="0" algn="ctr" defTabSz="584200" rtl="0" latinLnBrk="0">
         <a:lnSpc>
           <a:spcPct val="100000"/>
         </a:lnSpc>
@@ -2932,7 +2955,7 @@
           <a:sym typeface="Helvetica Light"/>
         </a:defRPr>
       </a:lvl6pPr>
-      <a:lvl7pPr marL="0" marR="0" indent="1371600" algn="ctr" defTabSz="584200" rtl="0" latinLnBrk="0">
+      <a:lvl7pPr marL="0" marR="0" indent="0" algn="ctr" defTabSz="584200" rtl="0" latinLnBrk="0">
         <a:lnSpc>
           <a:spcPct val="100000"/>
         </a:lnSpc>
@@ -2961,7 +2984,7 @@
           <a:sym typeface="Helvetica Light"/>
         </a:defRPr>
       </a:lvl7pPr>
-      <a:lvl8pPr marL="0" marR="0" indent="1600200" algn="ctr" defTabSz="584200" rtl="0" latinLnBrk="0">
+      <a:lvl8pPr marL="0" marR="0" indent="0" algn="ctr" defTabSz="584200" rtl="0" latinLnBrk="0">
         <a:lnSpc>
           <a:spcPct val="100000"/>
         </a:lnSpc>
@@ -2990,7 +3013,7 @@
           <a:sym typeface="Helvetica Light"/>
         </a:defRPr>
       </a:lvl8pPr>
-      <a:lvl9pPr marL="0" marR="0" indent="1828800" algn="ctr" defTabSz="584200" rtl="0" latinLnBrk="0">
+      <a:lvl9pPr marL="0" marR="0" indent="0" algn="ctr" defTabSz="584200" rtl="0" latinLnBrk="0">
         <a:lnSpc>
           <a:spcPct val="100000"/>
         </a:lnSpc>
@@ -3065,6 +3088,40 @@
           </a:p>
         </p:txBody>
       </p:sp>
+      <p:sp>
+        <p:nvSpPr>
+          <p:cNvPr id="120" name="Bryce Fawcett…"/>
+          <p:cNvSpPr txBox="1"/>
+          <p:nvPr>
+            <p:ph type="subTitle" sz="quarter" idx="1"/>
+          </p:nvPr>
+        </p:nvSpPr>
+        <p:spPr>
+          <a:xfrm>
+            <a:off x="1270000" y="5765800"/>
+            <a:ext cx="10464800" cy="1130300"/>
+          </a:xfrm>
+          <a:prstGeom prst="rect">
+            <a:avLst/>
+          </a:prstGeom>
+        </p:spPr>
+        <p:txBody>
+          <a:bodyPr/>
+          <a:lstStyle/>
+          <a:p>
+            <a:pPr/>
+            <a:r>
+              <a:t>Bryce Fawcett</a:t>
+            </a:r>
+          </a:p>
+          <a:p>
+            <a:pPr/>
+            <a:r>
+              <a:t>DSI Capstone - October 5, 2017</a:t>
+            </a:r>
+          </a:p>
+        </p:txBody>
+      </p:sp>
     </p:spTree>
   </p:cSld>
   <p:clrMapOvr>
@@ -3093,7 +3150,7 @@
       </p:grpSpPr>
       <p:sp>
         <p:nvSpPr>
-          <p:cNvPr id="152" name="ARIMAX"/>
+          <p:cNvPr id="153" name="ARIMAX"/>
           <p:cNvSpPr txBox="1"/>
           <p:nvPr>
             <p:ph type="title"/>
@@ -3117,7 +3174,7 @@
       </p:sp>
       <p:sp>
         <p:nvSpPr>
-          <p:cNvPr id="153" name="ARIMA with additional exogenous (X) values…"/>
+          <p:cNvPr id="154" name="ARIMA with additional exogenous (X) values…"/>
           <p:cNvSpPr txBox="1"/>
           <p:nvPr>
             <p:ph type="body" idx="1"/>
@@ -3197,7 +3254,7 @@
       </p:grpSpPr>
       <p:sp>
         <p:nvSpPr>
-          <p:cNvPr id="155" name="ARIMAX"/>
+          <p:cNvPr id="156" name="ARIMAX"/>
           <p:cNvSpPr txBox="1"/>
           <p:nvPr>
             <p:ph type="title"/>
@@ -3225,7 +3282,7 @@
       </p:sp>
       <p:sp>
         <p:nvSpPr>
-          <p:cNvPr id="156" name="Accuracy:  57.9%"/>
+          <p:cNvPr id="157" name="Accuracy:  57.9%"/>
           <p:cNvSpPr txBox="1"/>
           <p:nvPr>
             <p:ph type="body" sz="quarter" idx="1"/>
@@ -3253,7 +3310,7 @@
       </p:sp>
       <p:pic>
         <p:nvPicPr>
-          <p:cNvPr id="157" name="arimax_fit.png" descr="arimax_fit.png"/>
+          <p:cNvPr id="158" name="arimax_fit.png" descr="arimax_fit.png"/>
           <p:cNvPicPr>
             <a:picLocks noChangeAspect="1"/>
           </p:cNvPicPr>
@@ -3269,8 +3326,8 @@
         </p:blipFill>
         <p:spPr>
           <a:xfrm>
-            <a:off x="2858746" y="1621237"/>
-            <a:ext cx="7287308" cy="2530316"/>
+            <a:off x="2858746" y="1621236"/>
+            <a:ext cx="7287308" cy="2530318"/>
           </a:xfrm>
           <a:prstGeom prst="rect">
             <a:avLst/>
@@ -3282,7 +3339,7 @@
       </p:pic>
       <p:pic>
         <p:nvPicPr>
-          <p:cNvPr id="158" name="arimax_pred.png" descr="arimax_pred.png"/>
+          <p:cNvPr id="159" name="arimax_pred.png" descr="arimax_pred.png"/>
           <p:cNvPicPr>
             <a:picLocks noChangeAspect="1"/>
           </p:cNvPicPr>
@@ -3298,8 +3355,8 @@
         </p:blipFill>
         <p:spPr>
           <a:xfrm>
-            <a:off x="2858746" y="4372968"/>
-            <a:ext cx="7287308" cy="2530316"/>
+            <a:off x="2858746" y="4372967"/>
+            <a:ext cx="7287308" cy="2530318"/>
           </a:xfrm>
           <a:prstGeom prst="rect">
             <a:avLst/>
@@ -3311,13 +3368,13 @@
       </p:pic>
       <p:graphicFrame>
         <p:nvGraphicFramePr>
-          <p:cNvPr id="159" name="Table"/>
+          <p:cNvPr id="160" name="Table"/>
           <p:cNvGraphicFramePr/>
           <p:nvPr/>
         </p:nvGraphicFramePr>
         <p:xfrm>
           <a:off x="8115300" y="7429500"/>
-          <a:ext cx="3614936" cy="1997671"/>
+          <a:ext cx="3602236" cy="1984968"/>
         </p:xfrm>
         <a:graphic xmlns:a="http://schemas.openxmlformats.org/drawingml/2006/main">
           <a:graphicData uri="http://schemas.openxmlformats.org/drawingml/2006/table">
@@ -3561,7 +3618,7 @@
       </p:grpSpPr>
       <p:sp>
         <p:nvSpPr>
-          <p:cNvPr id="161" name="Recurrent Neural Network"/>
+          <p:cNvPr id="162" name="Recurrent Neural Network"/>
           <p:cNvSpPr txBox="1"/>
           <p:nvPr>
             <p:ph type="title"/>
@@ -3579,8 +3636,8 @@
         <p:txBody>
           <a:bodyPr/>
           <a:lstStyle>
-            <a:lvl1pPr defTabSz="514095">
-              <a:defRPr sz="7040"/>
+            <a:lvl1pPr defTabSz="514094">
+              <a:defRPr sz="7000"/>
             </a:lvl1pPr>
           </a:lstStyle>
           <a:p>
@@ -3593,7 +3650,7 @@
       </p:sp>
       <p:sp>
         <p:nvSpPr>
-          <p:cNvPr id="162" name="Long Short-Term Memory (LSTM)"/>
+          <p:cNvPr id="163" name="Long Short-Term Memory (LSTM)"/>
           <p:cNvSpPr txBox="1"/>
           <p:nvPr>
             <p:ph type="body" sz="half" idx="1"/>
@@ -3602,7 +3659,7 @@
         <p:spPr>
           <a:xfrm>
             <a:off x="1168400" y="6305153"/>
-            <a:ext cx="10464800" cy="2922142"/>
+            <a:ext cx="10464800" cy="2922143"/>
           </a:xfrm>
           <a:prstGeom prst="rect">
             <a:avLst/>
@@ -3625,7 +3682,7 @@
       </p:sp>
       <p:pic>
         <p:nvPicPr>
-          <p:cNvPr id="163" name="deep_neural_network.png" descr="deep_neural_network.png"/>
+          <p:cNvPr id="164" name="deep_neural_network.png" descr="deep_neural_network.png"/>
           <p:cNvPicPr>
             <a:picLocks noChangeAspect="1"/>
           </p:cNvPicPr>
@@ -3641,8 +3698,8 @@
         </p:blipFill>
         <p:spPr>
           <a:xfrm>
-            <a:off x="2882900" y="2054026"/>
-            <a:ext cx="7035800" cy="3810001"/>
+            <a:off x="2882900" y="2054025"/>
+            <a:ext cx="7035800" cy="3810003"/>
           </a:xfrm>
           <a:prstGeom prst="rect">
             <a:avLst/>
@@ -3680,7 +3737,7 @@
       </p:grpSpPr>
       <p:sp>
         <p:nvSpPr>
-          <p:cNvPr id="165" name="LSTM Results"/>
+          <p:cNvPr id="166" name="LSTM Results"/>
           <p:cNvSpPr txBox="1"/>
           <p:nvPr>
             <p:ph type="title"/>
@@ -3708,7 +3765,7 @@
       </p:sp>
       <p:sp>
         <p:nvSpPr>
-          <p:cNvPr id="166" name="Accuracy:  63%"/>
+          <p:cNvPr id="167" name="Accuracy:  63%"/>
           <p:cNvSpPr txBox="1"/>
           <p:nvPr>
             <p:ph type="body" sz="quarter" idx="1"/>
@@ -3736,7 +3793,7 @@
       </p:sp>
       <p:pic>
         <p:nvPicPr>
-          <p:cNvPr id="167" name="rnn_act_v_pred.png" descr="rnn_act_v_pred.png"/>
+          <p:cNvPr id="168" name="rnn_act_v_pred.png" descr="rnn_act_v_pred.png"/>
           <p:cNvPicPr>
             <a:picLocks noChangeAspect="1"/>
           </p:cNvPicPr>
@@ -3752,8 +3809,8 @@
         </p:blipFill>
         <p:spPr>
           <a:xfrm>
-            <a:off x="3586051" y="1892300"/>
-            <a:ext cx="5832698" cy="4374523"/>
+            <a:off x="3586050" y="1892300"/>
+            <a:ext cx="5832699" cy="4374523"/>
           </a:xfrm>
           <a:prstGeom prst="rect">
             <a:avLst/>
@@ -3765,13 +3822,13 @@
       </p:pic>
       <p:graphicFrame>
         <p:nvGraphicFramePr>
-          <p:cNvPr id="168" name="Table"/>
+          <p:cNvPr id="169" name="Table"/>
           <p:cNvGraphicFramePr/>
           <p:nvPr/>
         </p:nvGraphicFramePr>
         <p:xfrm>
           <a:off x="8051800" y="6819900"/>
-          <a:ext cx="3614936" cy="2450753"/>
+          <a:ext cx="3602236" cy="2438051"/>
         </p:xfrm>
         <a:graphic xmlns:a="http://schemas.openxmlformats.org/drawingml/2006/main">
           <a:graphicData uri="http://schemas.openxmlformats.org/drawingml/2006/table">
@@ -4065,7 +4122,7 @@
       </p:grpSpPr>
       <p:sp>
         <p:nvSpPr>
-          <p:cNvPr id="170" name="Next Steps"/>
+          <p:cNvPr id="171" name="Next Steps"/>
           <p:cNvSpPr txBox="1"/>
           <p:nvPr>
             <p:ph type="title"/>
@@ -4089,7 +4146,7 @@
       </p:sp>
       <p:sp>
         <p:nvSpPr>
-          <p:cNvPr id="171" name="Find additional variables…"/>
+          <p:cNvPr id="172" name="Find additional variables…"/>
           <p:cNvSpPr txBox="1"/>
           <p:nvPr>
             <p:ph type="body" idx="1"/>
@@ -4151,7 +4208,7 @@
       </p:grpSpPr>
       <p:sp>
         <p:nvSpPr>
-          <p:cNvPr id="173" name="Title"/>
+          <p:cNvPr id="174" name="Title"/>
           <p:cNvSpPr txBox="1"/>
           <p:nvPr>
             <p:ph type="title"/>
@@ -4176,7 +4233,7 @@
       </p:sp>
       <p:sp>
         <p:nvSpPr>
-          <p:cNvPr id="174" name="Body"/>
+          <p:cNvPr id="175" name="Body"/>
           <p:cNvSpPr txBox="1"/>
           <p:nvPr>
             <p:ph type="body" sz="quarter" idx="1"/>
@@ -4227,7 +4284,7 @@
       </p:grpSpPr>
       <p:sp>
         <p:nvSpPr>
-          <p:cNvPr id="176" name="Time Series"/>
+          <p:cNvPr id="177" name="Time Series"/>
           <p:cNvSpPr txBox="1"/>
           <p:nvPr>
             <p:ph type="title"/>
@@ -4255,7 +4312,7 @@
       </p:sp>
       <p:sp>
         <p:nvSpPr>
-          <p:cNvPr id="177" name="Body"/>
+          <p:cNvPr id="178" name="Body"/>
           <p:cNvSpPr txBox="1"/>
           <p:nvPr>
             <p:ph type="body" sz="quarter" idx="1"/>
@@ -4264,7 +4321,7 @@
         <p:spPr>
           <a:xfrm>
             <a:off x="1270000" y="7687161"/>
-            <a:ext cx="10464800" cy="1219201"/>
+            <a:ext cx="10464800" cy="1219202"/>
           </a:xfrm>
           <a:prstGeom prst="rect">
             <a:avLst/>
@@ -4280,7 +4337,7 @@
       </p:sp>
       <p:pic>
         <p:nvPicPr>
-          <p:cNvPr id="178" name="acf.png" descr="acf.png"/>
+          <p:cNvPr id="179" name="acf.png" descr="acf.png"/>
           <p:cNvPicPr>
             <a:picLocks noChangeAspect="1"/>
           </p:cNvPicPr>
@@ -4296,8 +4353,8 @@
         </p:blipFill>
         <p:spPr>
           <a:xfrm>
-            <a:off x="630981" y="2090449"/>
-            <a:ext cx="10959623" cy="2739907"/>
+            <a:off x="630981" y="2090448"/>
+            <a:ext cx="10959624" cy="2739908"/>
           </a:xfrm>
           <a:prstGeom prst="rect">
             <a:avLst/>
@@ -4309,7 +4366,7 @@
       </p:pic>
       <p:pic>
         <p:nvPicPr>
-          <p:cNvPr id="179" name="pacf.png" descr="pacf.png"/>
+          <p:cNvPr id="180" name="pacf.png" descr="pacf.png"/>
           <p:cNvPicPr>
             <a:picLocks noChangeAspect="1"/>
           </p:cNvPicPr>
@@ -4326,7 +4383,7 @@
         <p:spPr>
           <a:xfrm>
             <a:off x="630981" y="4888805"/>
-            <a:ext cx="10959623" cy="2739906"/>
+            <a:ext cx="10959624" cy="2739907"/>
           </a:xfrm>
           <a:prstGeom prst="rect">
             <a:avLst/>
@@ -4364,7 +4421,7 @@
       </p:grpSpPr>
       <p:sp>
         <p:nvSpPr>
-          <p:cNvPr id="181" name="Parameter Tuning"/>
+          <p:cNvPr id="182" name="Parameter Tuning"/>
           <p:cNvSpPr txBox="1"/>
           <p:nvPr>
             <p:ph type="title"/>
@@ -4392,7 +4449,7 @@
       </p:sp>
       <p:pic>
         <p:nvPicPr>
-          <p:cNvPr id="182" name="boxplot_epochs.png" descr="boxplot_epochs.png"/>
+          <p:cNvPr id="183" name="boxplot_epochs.png" descr="boxplot_epochs.png"/>
           <p:cNvPicPr>
             <a:picLocks noChangeAspect="1"/>
           </p:cNvPicPr>
@@ -4408,8 +4465,8 @@
         </p:blipFill>
         <p:spPr>
           <a:xfrm>
-            <a:off x="3899553" y="1832464"/>
-            <a:ext cx="4234921" cy="3176192"/>
+            <a:off x="3899553" y="1832463"/>
+            <a:ext cx="4234922" cy="3176193"/>
           </a:xfrm>
           <a:prstGeom prst="rect">
             <a:avLst/>
@@ -4421,7 +4478,7 @@
       </p:pic>
       <p:pic>
         <p:nvPicPr>
-          <p:cNvPr id="183" name="boxplot_batchsize.png" descr="boxplot_batchsize.png"/>
+          <p:cNvPr id="184" name="boxplot_batchsize.png" descr="boxplot_batchsize.png"/>
           <p:cNvPicPr>
             <a:picLocks noChangeAspect="1"/>
           </p:cNvPicPr>
@@ -4437,8 +4494,8 @@
         </p:blipFill>
         <p:spPr>
           <a:xfrm>
-            <a:off x="1598215" y="5389332"/>
-            <a:ext cx="4381278" cy="3285959"/>
+            <a:off x="1598215" y="5389331"/>
+            <a:ext cx="4381278" cy="3285961"/>
           </a:xfrm>
           <a:prstGeom prst="rect">
             <a:avLst/>
@@ -4450,7 +4507,7 @@
       </p:pic>
       <p:pic>
         <p:nvPicPr>
-          <p:cNvPr id="184" name="boxplot_neurons.png" descr="boxplot_neurons.png"/>
+          <p:cNvPr id="185" name="boxplot_neurons.png" descr="boxplot_neurons.png"/>
           <p:cNvPicPr>
             <a:picLocks noChangeAspect="1"/>
           </p:cNvPicPr>
@@ -4466,8 +4523,8 @@
         </p:blipFill>
         <p:spPr>
           <a:xfrm>
-            <a:off x="6674121" y="5389332"/>
-            <a:ext cx="4381279" cy="3285959"/>
+            <a:off x="6674121" y="5389331"/>
+            <a:ext cx="4381280" cy="3285961"/>
           </a:xfrm>
           <a:prstGeom prst="rect">
             <a:avLst/>
@@ -4505,7 +4562,7 @@
       </p:grpSpPr>
       <p:sp>
         <p:nvSpPr>
-          <p:cNvPr id="121" name="What are Futures?"/>
+          <p:cNvPr id="122" name="What are Futures?"/>
           <p:cNvSpPr txBox="1"/>
           <p:nvPr>
             <p:ph type="title"/>
@@ -4529,7 +4586,7 @@
       </p:sp>
       <p:sp>
         <p:nvSpPr>
-          <p:cNvPr id="122" name="A futures contract is an agreement to buy or sell commodities at a fixed price to be delivered on a future date.…"/>
+          <p:cNvPr id="123" name="A futures contract is an agreement to buy or sell commodities at a fixed price to be delivered on a future date.…"/>
           <p:cNvSpPr txBox="1"/>
           <p:nvPr>
             <p:ph type="body" idx="1"/>
@@ -4585,7 +4642,7 @@
       </p:grpSpPr>
       <p:sp>
         <p:nvSpPr>
-          <p:cNvPr id="124" name="Goal"/>
+          <p:cNvPr id="125" name="Goal"/>
           <p:cNvSpPr txBox="1"/>
           <p:nvPr>
             <p:ph type="title"/>
@@ -4609,7 +4666,7 @@
       </p:sp>
       <p:sp>
         <p:nvSpPr>
-          <p:cNvPr id="125" name="Predict Up or Down Movement of Milk Futures Prices…"/>
+          <p:cNvPr id="126" name="Predict Up or Down Movement of Milk Futures Prices…"/>
           <p:cNvSpPr txBox="1"/>
           <p:nvPr>
             <p:ph type="body" idx="1"/>
@@ -4626,7 +4683,7 @@
           <a:p>
             <a:pPr/>
             <a:r>
-              <a:t>Predict Up or Down Movement of Milk Futures Prices</a:t>
+              <a:t>Predict up or down movement of Milk Futures Prices</a:t>
             </a:r>
           </a:p>
           <a:p>
@@ -4665,7 +4722,7 @@
       </p:grpSpPr>
       <p:sp>
         <p:nvSpPr>
-          <p:cNvPr id="127" name="Data Sources"/>
+          <p:cNvPr id="128" name="Data Sources"/>
           <p:cNvSpPr txBox="1"/>
           <p:nvPr>
             <p:ph type="title"/>
@@ -4689,7 +4746,7 @@
       </p:sp>
       <p:sp>
         <p:nvSpPr>
-          <p:cNvPr id="128" name="quandl.com - historic futures prices…"/>
+          <p:cNvPr id="129" name="quandl.com - historic futures prices…"/>
           <p:cNvSpPr txBox="1"/>
           <p:nvPr>
             <p:ph type="body" idx="1"/>
@@ -4704,26 +4761,49 @@
           <a:bodyPr/>
           <a:lstStyle/>
           <a:p>
-            <a:pPr/>
-            <a:r>
-              <a:rPr u="sng">
+            <a:pPr>
+              <a:defRPr u="sng"/>
+            </a:pPr>
+            <a:r>
+              <a:rPr>
+                <a:solidFill>
+                  <a:srgbClr val="0000FF"/>
+                </a:solidFill>
+                <a:uFill>
+                  <a:solidFill>
+                    <a:srgbClr val="0000FF"/>
+                  </a:solidFill>
+                </a:uFill>
                 <a:hlinkClick r:id="rId2" invalidUrl="" action="" tgtFrame="" tooltip="" history="1" highlightClick="0" endSnd="0"/>
               </a:rPr>
               <a:t>quandl.com</a:t>
             </a:r>
             <a:r>
-              <a:t> - historic futures prices</a:t>
-            </a:r>
-          </a:p>
-          <a:p>
-            <a:pPr/>
-            <a:r>
-              <a:rPr u="sng">
+              <a:rPr u="none"/>
+              <a:t> - Historic Futures Prices</a:t>
+            </a:r>
+            <a:endParaRPr u="none"/>
+          </a:p>
+          <a:p>
+            <a:pPr>
+              <a:defRPr u="sng"/>
+            </a:pPr>
+            <a:r>
+              <a:rPr>
+                <a:solidFill>
+                  <a:srgbClr val="0000FF"/>
+                </a:solidFill>
+                <a:uFill>
+                  <a:solidFill>
+                    <a:srgbClr val="0000FF"/>
+                  </a:solidFill>
+                </a:uFill>
                 <a:hlinkClick r:id="rId3" invalidUrl="" action="" tgtFrame="" tooltip="" history="1" highlightClick="0" endSnd="0"/>
               </a:rPr>
               <a:t>NASS.usda.gov</a:t>
             </a:r>
             <a:r>
+              <a:rPr u="none"/>
               <a:t> - Monthly Milk Production</a:t>
             </a:r>
           </a:p>
@@ -4757,7 +4837,7 @@
       </p:grpSpPr>
       <p:sp>
         <p:nvSpPr>
-          <p:cNvPr id="130" name="Technologies Used"/>
+          <p:cNvPr id="131" name="Technologies Used"/>
           <p:cNvSpPr txBox="1"/>
           <p:nvPr>
             <p:ph type="title"/>
@@ -4781,7 +4861,7 @@
       </p:sp>
       <p:pic>
         <p:nvPicPr>
-          <p:cNvPr id="131" name="Image" descr="Image"/>
+          <p:cNvPr id="132" name="Image" descr="Image"/>
           <p:cNvPicPr>
             <a:picLocks noChangeAspect="1"/>
           </p:cNvPicPr>
@@ -4797,8 +4877,8 @@
         </p:blipFill>
         <p:spPr>
           <a:xfrm>
-            <a:off x="1442839" y="2363200"/>
-            <a:ext cx="4997235" cy="1475375"/>
+            <a:off x="1442838" y="2363199"/>
+            <a:ext cx="4997236" cy="1475376"/>
           </a:xfrm>
           <a:prstGeom prst="rect">
             <a:avLst/>
@@ -4810,7 +4890,7 @@
       </p:pic>
       <p:pic>
         <p:nvPicPr>
-          <p:cNvPr id="132" name="Image" descr="Image"/>
+          <p:cNvPr id="133" name="Image" descr="Image"/>
           <p:cNvPicPr>
             <a:picLocks noChangeAspect="1"/>
           </p:cNvPicPr>
@@ -4827,7 +4907,7 @@
         <p:spPr>
           <a:xfrm>
             <a:off x="1420506" y="4002587"/>
-            <a:ext cx="2120901" cy="2120901"/>
+            <a:ext cx="2120901" cy="2120902"/>
           </a:xfrm>
           <a:prstGeom prst="rect">
             <a:avLst/>
@@ -4839,7 +4919,7 @@
       </p:pic>
       <p:pic>
         <p:nvPicPr>
-          <p:cNvPr id="133" name="Image" descr="Image"/>
+          <p:cNvPr id="134" name="Image" descr="Image"/>
           <p:cNvPicPr>
             <a:picLocks noChangeAspect="1"/>
           </p:cNvPicPr>
@@ -4849,15 +4929,15 @@
           <a:blip r:embed="rId4">
             <a:extLst/>
           </a:blip>
-          <a:srcRect l="11313" t="16590" r="16776" b="29928"/>
+          <a:srcRect l="11313" t="16590" r="16776" b="29927"/>
           <a:stretch>
             <a:fillRect/>
           </a:stretch>
         </p:blipFill>
         <p:spPr>
           <a:xfrm>
-            <a:off x="1368276" y="6287500"/>
-            <a:ext cx="4028206" cy="1783253"/>
+            <a:off x="1368275" y="6287499"/>
+            <a:ext cx="4028207" cy="1783254"/>
           </a:xfrm>
           <a:prstGeom prst="rect">
             <a:avLst/>
@@ -4869,7 +4949,7 @@
       </p:pic>
       <p:pic>
         <p:nvPicPr>
-          <p:cNvPr id="134" name="Image" descr="Image"/>
+          <p:cNvPr id="135" name="Image" descr="Image"/>
           <p:cNvPicPr>
             <a:picLocks noChangeAspect="1"/>
           </p:cNvPicPr>
@@ -4885,8 +4965,8 @@
         </p:blipFill>
         <p:spPr>
           <a:xfrm>
-            <a:off x="4640808" y="4002587"/>
-            <a:ext cx="3517901" cy="1905001"/>
+            <a:off x="4640807" y="4002587"/>
+            <a:ext cx="3517902" cy="1905002"/>
           </a:xfrm>
           <a:prstGeom prst="rect">
             <a:avLst/>
@@ -4924,7 +5004,7 @@
       </p:grpSpPr>
       <p:sp>
         <p:nvSpPr>
-          <p:cNvPr id="136" name="Weekly Milk Futures Prices"/>
+          <p:cNvPr id="137" name="Weekly Milk Futures Prices"/>
           <p:cNvSpPr txBox="1"/>
           <p:nvPr>
             <p:ph type="title"/>
@@ -4942,7 +5022,7 @@
         <p:txBody>
           <a:bodyPr/>
           <a:lstStyle>
-            <a:lvl1pPr defTabSz="496570">
+            <a:lvl1pPr defTabSz="496569">
               <a:defRPr sz="6800"/>
             </a:lvl1pPr>
           </a:lstStyle>
@@ -4956,7 +5036,7 @@
       </p:sp>
       <p:pic>
         <p:nvPicPr>
-          <p:cNvPr id="137" name="weekly_milk_futures.png" descr="weekly_milk_futures.png"/>
+          <p:cNvPr id="138" name="weekly_milk_futures.png" descr="weekly_milk_futures.png"/>
           <p:cNvPicPr>
             <a:picLocks noChangeAspect="1"/>
           </p:cNvPicPr>
@@ -4972,8 +5052,8 @@
         </p:blipFill>
         <p:spPr>
           <a:xfrm>
-            <a:off x="228972" y="2747433"/>
-            <a:ext cx="11849314" cy="3949772"/>
+            <a:off x="228971" y="2747433"/>
+            <a:ext cx="11849315" cy="3949773"/>
           </a:xfrm>
           <a:prstGeom prst="rect">
             <a:avLst/>
@@ -4985,14 +5065,14 @@
       </p:pic>
       <p:sp>
         <p:nvSpPr>
-          <p:cNvPr id="138" name="Rectangle"/>
+          <p:cNvPr id="139" name="Rectangle"/>
           <p:cNvSpPr/>
           <p:nvPr/>
         </p:nvSpPr>
         <p:spPr>
           <a:xfrm>
-            <a:off x="1217513" y="4087318"/>
-            <a:ext cx="255687" cy="1270001"/>
+            <a:off x="1217512" y="4087317"/>
+            <a:ext cx="255688" cy="1270003"/>
           </a:xfrm>
           <a:prstGeom prst="rect">
             <a:avLst/>
@@ -5013,10 +5093,13 @@
           <a:p>
             <a:pPr>
               <a:defRPr sz="2400">
+                <a:solidFill>
+                  <a:srgbClr val="FFFFFF"/>
+                </a:solidFill>
                 <a:effectLst>
                   <a:outerShdw sx="100000" sy="100000" kx="0" ky="0" algn="b" rotWithShape="0" blurRad="25400" dist="23998" dir="2700000">
                     <a:srgbClr val="000000">
-                      <a:alpha val="31034"/>
+                      <a:alpha val="31033"/>
                     </a:srgbClr>
                   </a:outerShdw>
                 </a:effectLst>
@@ -5053,7 +5136,7 @@
       </p:grpSpPr>
       <p:sp>
         <p:nvSpPr>
-          <p:cNvPr id="140" name="Baseline Prediction"/>
+          <p:cNvPr id="141" name="Baseline Prediction"/>
           <p:cNvSpPr txBox="1"/>
           <p:nvPr>
             <p:ph type="title"/>
@@ -5077,7 +5160,7 @@
       </p:sp>
       <p:sp>
         <p:nvSpPr>
-          <p:cNvPr id="141" name="Predict that the price will move in the same direction as it moved in the previous period…"/>
+          <p:cNvPr id="142" name="Predict that the price will move in the same direction as it moved in the previous period…"/>
           <p:cNvSpPr txBox="1"/>
           <p:nvPr>
             <p:ph type="body" idx="1"/>
@@ -5137,7 +5220,7 @@
       </p:grpSpPr>
       <p:sp>
         <p:nvSpPr>
-          <p:cNvPr id="143" name="ARIMA"/>
+          <p:cNvPr id="144" name="ARIMA"/>
           <p:cNvSpPr txBox="1"/>
           <p:nvPr>
             <p:ph type="title"/>
@@ -5161,7 +5244,7 @@
       </p:sp>
       <p:sp>
         <p:nvSpPr>
-          <p:cNvPr id="144" name="Autoregressive Integrated Moving Average…"/>
+          <p:cNvPr id="145" name="Autoregressive Integrated Moving Average…"/>
           <p:cNvSpPr txBox="1"/>
           <p:nvPr>
             <p:ph type="body" idx="1"/>
@@ -5229,7 +5312,7 @@
       </p:grpSpPr>
       <p:sp>
         <p:nvSpPr>
-          <p:cNvPr id="146" name="ARIMA"/>
+          <p:cNvPr id="147" name="ARIMA"/>
           <p:cNvSpPr txBox="1"/>
           <p:nvPr>
             <p:ph type="title"/>
@@ -5257,7 +5340,7 @@
       </p:sp>
       <p:sp>
         <p:nvSpPr>
-          <p:cNvPr id="147" name="Accuracy:  50.0%"/>
+          <p:cNvPr id="148" name="Accuracy:  50.0%"/>
           <p:cNvSpPr txBox="1"/>
           <p:nvPr>
             <p:ph type="body" sz="quarter" idx="1"/>
@@ -5265,8 +5348,8 @@
         </p:nvSpPr>
         <p:spPr>
           <a:xfrm>
-            <a:off x="-266700" y="7324129"/>
-            <a:ext cx="10464800" cy="1095971"/>
+            <a:off x="-266700" y="7324128"/>
+            <a:ext cx="10464800" cy="1095972"/>
           </a:xfrm>
           <a:prstGeom prst="rect">
             <a:avLst/>
@@ -5285,7 +5368,7 @@
       </p:sp>
       <p:pic>
         <p:nvPicPr>
-          <p:cNvPr id="148" name="arima_fit.png" descr="arima_fit.png"/>
+          <p:cNvPr id="149" name="arima_fit.png" descr="arima_fit.png"/>
           <p:cNvPicPr>
             <a:picLocks noChangeAspect="1"/>
           </p:cNvPicPr>
@@ -5302,7 +5385,7 @@
         <p:spPr>
           <a:xfrm>
             <a:off x="2646377" y="1745081"/>
-            <a:ext cx="7712046" cy="2677794"/>
+            <a:ext cx="7712047" cy="2677794"/>
           </a:xfrm>
           <a:prstGeom prst="rect">
             <a:avLst/>
@@ -5314,7 +5397,7 @@
       </p:pic>
       <p:pic>
         <p:nvPicPr>
-          <p:cNvPr id="149" name="arima_pred.png" descr="arima_pred.png"/>
+          <p:cNvPr id="150" name="arima_pred.png" descr="arima_pred.png"/>
           <p:cNvPicPr>
             <a:picLocks noChangeAspect="1"/>
           </p:cNvPicPr>
@@ -5330,8 +5413,8 @@
         </p:blipFill>
         <p:spPr>
           <a:xfrm>
-            <a:off x="2596836" y="4567755"/>
-            <a:ext cx="7811128" cy="2712198"/>
+            <a:off x="2596836" y="4567754"/>
+            <a:ext cx="7811128" cy="2712199"/>
           </a:xfrm>
           <a:prstGeom prst="rect">
             <a:avLst/>
@@ -5343,13 +5426,13 @@
       </p:pic>
       <p:graphicFrame>
         <p:nvGraphicFramePr>
-          <p:cNvPr id="150" name="Table"/>
+          <p:cNvPr id="151" name="Table"/>
           <p:cNvGraphicFramePr/>
           <p:nvPr/>
         </p:nvGraphicFramePr>
         <p:xfrm>
           <a:off x="8115300" y="7429500"/>
-          <a:ext cx="3614936" cy="1577628"/>
+          <a:ext cx="3602236" cy="1564926"/>
         </p:xfrm>
         <a:graphic xmlns:a="http://schemas.openxmlformats.org/drawingml/2006/main">
           <a:graphicData uri="http://schemas.openxmlformats.org/drawingml/2006/table">
@@ -5529,16 +5612,16 @@
   <a:themeElements>
     <a:clrScheme name="Gradient">
       <a:dk1>
-        <a:srgbClr val="FF0000"/>
+        <a:srgbClr val="FFFFFF"/>
       </a:dk1>
       <a:lt1>
-        <a:srgbClr val="FFFFFF"/>
+        <a:srgbClr val="FF0000"/>
       </a:lt1>
       <a:dk2>
-        <a:srgbClr val="53585F"/>
+        <a:srgbClr val="A7A7A7"/>
       </a:dk2>
       <a:lt2>
-        <a:srgbClr val="DCDEE0"/>
+        <a:srgbClr val="535353"/>
       </a:lt2>
       <a:accent1>
         <a:srgbClr val="0065C1"/>
@@ -5567,14 +5650,14 @@
     </a:clrScheme>
     <a:fontScheme name="Gradient">
       <a:majorFont>
-        <a:latin typeface="Helvetica Light"/>
-        <a:ea typeface="Helvetica Light"/>
-        <a:cs typeface="Helvetica Light"/>
+        <a:latin typeface="Helvetica"/>
+        <a:ea typeface="Helvetica"/>
+        <a:cs typeface="Helvetica"/>
       </a:majorFont>
       <a:minorFont>
-        <a:latin typeface="Helvetica Light"/>
-        <a:ea typeface="Helvetica Light"/>
-        <a:cs typeface="Helvetica Light"/>
+        <a:latin typeface="Helvetica Neue"/>
+        <a:ea typeface="Helvetica Neue"/>
+        <a:cs typeface="Helvetica Neue"/>
       </a:minorFont>
     </a:fontScheme>
     <a:fmtScheme name="Gradient">
@@ -5732,24 +5815,15 @@
   <a:objectDefaults>
     <a:spDef>
       <a:spPr>
-        <a:gradFill flip="none" rotWithShape="1">
-          <a:gsLst>
-            <a:gs pos="0">
-              <a:schemeClr val="accent1"/>
-            </a:gs>
-            <a:gs pos="100000">
-              <a:schemeClr val="accent1">
-                <a:hueOff val="321133"/>
-                <a:satOff val="-12043"/>
-                <a:lumOff val="-7113"/>
-              </a:schemeClr>
-            </a:gs>
-          </a:gsLst>
-          <a:lin ang="5400000" scaled="0"/>
-        </a:gradFill>
-        <a:ln w="12700" cap="flat">
-          <a:noFill/>
-          <a:miter lim="400000"/>
+        <a:solidFill>
+          <a:srgbClr val="FFFFFF"/>
+        </a:solidFill>
+        <a:ln w="25400" cap="flat">
+          <a:solidFill>
+            <a:schemeClr val="accent1"/>
+          </a:solidFill>
+          <a:prstDash val="solid"/>
+          <a:round/>
         </a:ln>
         <a:effectLst>
           <a:outerShdw sx="100000" sy="100000" kx="0" ky="0" algn="b" rotWithShape="0" blurRad="76200" dist="0" dir="18900000">
@@ -5779,24 +5853,18 @@
           <a:buFontTx/>
           <a:buNone/>
           <a:tabLst/>
-          <a:defRPr b="0" baseline="0" cap="none" i="0" spc="0" strike="noStrike" sz="2400" u="none" kumimoji="0" normalizeH="0">
+          <a:defRPr b="0" baseline="0" cap="none" i="0" spc="0" strike="noStrike" sz="3800" u="none" kumimoji="0" normalizeH="0">
             <a:ln>
               <a:noFill/>
             </a:ln>
             <a:solidFill>
-              <a:srgbClr val="FFFFFF"/>
+              <a:srgbClr val="FF0000"/>
             </a:solidFill>
-            <a:effectLst>
-              <a:outerShdw sx="100000" sy="100000" kx="0" ky="0" algn="b" rotWithShape="0" blurRad="25400" dist="23998" dir="2700000">
-                <a:srgbClr val="000000">
-                  <a:alpha val="31034"/>
-                </a:srgbClr>
-              </a:outerShdw>
-            </a:effectLst>
+            <a:effectLst/>
             <a:uFillTx/>
-            <a:latin typeface="+mn-lt"/>
-            <a:ea typeface="+mn-ea"/>
-            <a:cs typeface="+mn-cs"/>
+            <a:latin typeface="Helvetica Light"/>
+            <a:ea typeface="Helvetica Light"/>
+            <a:cs typeface="Helvetica Light"/>
             <a:sym typeface="Helvetica Light"/>
           </a:defRPr>
         </a:defPPr>
@@ -6047,12 +6115,18 @@
         <a:noFill/>
         <a:ln w="25400" cap="flat">
           <a:solidFill>
-            <a:srgbClr val="FFFFFF"/>
+            <a:schemeClr val="accent1"/>
           </a:solidFill>
           <a:prstDash val="solid"/>
-          <a:miter lim="400000"/>
+          <a:round/>
         </a:ln>
-        <a:effectLst/>
+        <a:effectLst>
+          <a:outerShdw sx="100000" sy="100000" kx="0" ky="0" algn="b" rotWithShape="0" blurRad="76200" dist="0" dir="18900000">
+            <a:srgbClr val="000000">
+              <a:alpha val="80000"/>
+            </a:srgbClr>
+          </a:outerShdw>
+        </a:effectLst>
         <a:sp3d/>
       </a:spPr>
       <a:bodyPr rot="0" spcFirstLastPara="1" vertOverflow="overflow" horzOverflow="overflow" vert="horz" wrap="square" lIns="91439" tIns="45719" rIns="91439" bIns="45719" numCol="1" spcCol="38100" rtlCol="0" anchor="t" upright="0">
@@ -6361,13 +6435,13 @@
               <a:noFill/>
             </a:ln>
             <a:solidFill>
-              <a:srgbClr val="FFFFFF"/>
+              <a:srgbClr val="FF0000"/>
             </a:solidFill>
             <a:effectLst/>
             <a:uFillTx/>
-            <a:latin typeface="+mn-lt"/>
-            <a:ea typeface="+mn-ea"/>
-            <a:cs typeface="+mn-cs"/>
+            <a:latin typeface="Helvetica Light"/>
+            <a:ea typeface="Helvetica Light"/>
+            <a:cs typeface="Helvetica Light"/>
             <a:sym typeface="Helvetica Light"/>
           </a:defRPr>
         </a:defPPr>
@@ -6628,10 +6702,10 @@
         <a:srgbClr val="FFFFFF"/>
       </a:lt1>
       <a:dk2>
-        <a:srgbClr val="53585F"/>
+        <a:srgbClr val="A7A7A7"/>
       </a:dk2>
       <a:lt2>
-        <a:srgbClr val="DCDEE0"/>
+        <a:srgbClr val="535353"/>
       </a:lt2>
       <a:accent1>
         <a:srgbClr val="0065C1"/>
@@ -6660,14 +6734,14 @@
     </a:clrScheme>
     <a:fontScheme name="Gradient">
       <a:majorFont>
-        <a:latin typeface="Helvetica Light"/>
-        <a:ea typeface="Helvetica Light"/>
-        <a:cs typeface="Helvetica Light"/>
+        <a:latin typeface="Helvetica"/>
+        <a:ea typeface="Helvetica"/>
+        <a:cs typeface="Helvetica"/>
       </a:majorFont>
       <a:minorFont>
-        <a:latin typeface="Helvetica Light"/>
-        <a:ea typeface="Helvetica Light"/>
-        <a:cs typeface="Helvetica Light"/>
+        <a:latin typeface="Helvetica Neue"/>
+        <a:ea typeface="Helvetica Neue"/>
+        <a:cs typeface="Helvetica Neue"/>
       </a:minorFont>
     </a:fontScheme>
     <a:fmtScheme name="Gradient">
@@ -6825,24 +6899,15 @@
   <a:objectDefaults>
     <a:spDef>
       <a:spPr>
-        <a:gradFill flip="none" rotWithShape="1">
-          <a:gsLst>
-            <a:gs pos="0">
-              <a:schemeClr val="accent1"/>
-            </a:gs>
-            <a:gs pos="100000">
-              <a:schemeClr val="accent1">
-                <a:hueOff val="321133"/>
-                <a:satOff val="-12043"/>
-                <a:lumOff val="-7113"/>
-              </a:schemeClr>
-            </a:gs>
-          </a:gsLst>
-          <a:lin ang="5400000" scaled="0"/>
-        </a:gradFill>
-        <a:ln w="12700" cap="flat">
-          <a:noFill/>
-          <a:miter lim="400000"/>
+        <a:solidFill>
+          <a:srgbClr val="FFFFFF"/>
+        </a:solidFill>
+        <a:ln w="25400" cap="flat">
+          <a:solidFill>
+            <a:schemeClr val="accent1"/>
+          </a:solidFill>
+          <a:prstDash val="solid"/>
+          <a:round/>
         </a:ln>
         <a:effectLst>
           <a:outerShdw sx="100000" sy="100000" kx="0" ky="0" algn="b" rotWithShape="0" blurRad="76200" dist="0" dir="18900000">
@@ -6872,24 +6937,18 @@
           <a:buFontTx/>
           <a:buNone/>
           <a:tabLst/>
-          <a:defRPr b="0" baseline="0" cap="none" i="0" spc="0" strike="noStrike" sz="2400" u="none" kumimoji="0" normalizeH="0">
+          <a:defRPr b="0" baseline="0" cap="none" i="0" spc="0" strike="noStrike" sz="3800" u="none" kumimoji="0" normalizeH="0">
             <a:ln>
               <a:noFill/>
             </a:ln>
             <a:solidFill>
-              <a:srgbClr val="FFFFFF"/>
+              <a:srgbClr val="FF0000"/>
             </a:solidFill>
-            <a:effectLst>
-              <a:outerShdw sx="100000" sy="100000" kx="0" ky="0" algn="b" rotWithShape="0" blurRad="25400" dist="23998" dir="2700000">
-                <a:srgbClr val="000000">
-                  <a:alpha val="31034"/>
-                </a:srgbClr>
-              </a:outerShdw>
-            </a:effectLst>
+            <a:effectLst/>
             <a:uFillTx/>
-            <a:latin typeface="+mn-lt"/>
-            <a:ea typeface="+mn-ea"/>
-            <a:cs typeface="+mn-cs"/>
+            <a:latin typeface="Helvetica Light"/>
+            <a:ea typeface="Helvetica Light"/>
+            <a:cs typeface="Helvetica Light"/>
             <a:sym typeface="Helvetica Light"/>
           </a:defRPr>
         </a:defPPr>
@@ -7140,12 +7199,18 @@
         <a:noFill/>
         <a:ln w="25400" cap="flat">
           <a:solidFill>
-            <a:srgbClr val="FFFFFF"/>
+            <a:schemeClr val="accent1"/>
           </a:solidFill>
           <a:prstDash val="solid"/>
-          <a:miter lim="400000"/>
+          <a:round/>
         </a:ln>
-        <a:effectLst/>
+        <a:effectLst>
+          <a:outerShdw sx="100000" sy="100000" kx="0" ky="0" algn="b" rotWithShape="0" blurRad="76200" dist="0" dir="18900000">
+            <a:srgbClr val="000000">
+              <a:alpha val="80000"/>
+            </a:srgbClr>
+          </a:outerShdw>
+        </a:effectLst>
         <a:sp3d/>
       </a:spPr>
       <a:bodyPr rot="0" spcFirstLastPara="1" vertOverflow="overflow" horzOverflow="overflow" vert="horz" wrap="square" lIns="91439" tIns="45719" rIns="91439" bIns="45719" numCol="1" spcCol="38100" rtlCol="0" anchor="t" upright="0">
@@ -7454,13 +7519,13 @@
               <a:noFill/>
             </a:ln>
             <a:solidFill>
-              <a:srgbClr val="FFFFFF"/>
+              <a:srgbClr val="FF0000"/>
             </a:solidFill>
             <a:effectLst/>
             <a:uFillTx/>
-            <a:latin typeface="+mn-lt"/>
-            <a:ea typeface="+mn-ea"/>
-            <a:cs typeface="+mn-cs"/>
+            <a:latin typeface="Helvetica Light"/>
+            <a:ea typeface="Helvetica Light"/>
+            <a:cs typeface="Helvetica Light"/>
             <a:sym typeface="Helvetica Light"/>
           </a:defRPr>
         </a:defPPr>
